--- a/Briefings/Briefing5.pptx
+++ b/Briefings/Briefing5.pptx
@@ -6,6 +6,8 @@
   </p:sldMasterIdLst>
   <p:sldIdLst>
     <p:sldId id="256" r:id="rId2"/>
+    <p:sldId id="258" r:id="rId3"/>
+    <p:sldId id="257" r:id="rId4"/>
   </p:sldIdLst>
   <p:sldSz cx="9144000" cy="6858000" type="screen4x3"/>
   <p:notesSz cx="6858000" cy="9144000"/>
@@ -315,7 +317,7 @@
             <a:fld id="{542ED6D8-967B-4FDD-8539-23116DD8CE38}" type="datetimeFigureOut">
               <a:rPr lang="en-US" smtClean="0"/>
               <a:pPr/>
-              <a:t>11/18/2014</a:t>
+              <a:t>11/19/2014</a:t>
             </a:fld>
             <a:endParaRPr lang="en-US"/>
           </a:p>
@@ -511,7 +513,7 @@
             <a:fld id="{542ED6D8-967B-4FDD-8539-23116DD8CE38}" type="datetimeFigureOut">
               <a:rPr lang="en-US" smtClean="0"/>
               <a:pPr/>
-              <a:t>11/18/2014</a:t>
+              <a:t>11/19/2014</a:t>
             </a:fld>
             <a:endParaRPr lang="en-US"/>
           </a:p>
@@ -701,7 +703,7 @@
             <a:fld id="{542ED6D8-967B-4FDD-8539-23116DD8CE38}" type="datetimeFigureOut">
               <a:rPr lang="en-US" smtClean="0"/>
               <a:pPr/>
-              <a:t>11/18/2014</a:t>
+              <a:t>11/19/2014</a:t>
             </a:fld>
             <a:endParaRPr lang="en-US"/>
           </a:p>
@@ -932,7 +934,7 @@
             <a:fld id="{542ED6D8-967B-4FDD-8539-23116DD8CE38}" type="datetimeFigureOut">
               <a:rPr lang="en-US" smtClean="0"/>
               <a:pPr/>
-              <a:t>11/18/2014</a:t>
+              <a:t>11/19/2014</a:t>
             </a:fld>
             <a:endParaRPr lang="en-US"/>
           </a:p>
@@ -1215,7 +1217,7 @@
             <a:fld id="{542ED6D8-967B-4FDD-8539-23116DD8CE38}" type="datetimeFigureOut">
               <a:rPr lang="en-US" smtClean="0"/>
               <a:pPr/>
-              <a:t>11/18/2014</a:t>
+              <a:t>11/19/2014</a:t>
             </a:fld>
             <a:endParaRPr lang="en-US"/>
           </a:p>
@@ -1505,7 +1507,7 @@
             <a:fld id="{542ED6D8-967B-4FDD-8539-23116DD8CE38}" type="datetimeFigureOut">
               <a:rPr lang="en-US" smtClean="0"/>
               <a:pPr/>
-              <a:t>11/18/2014</a:t>
+              <a:t>11/19/2014</a:t>
             </a:fld>
             <a:endParaRPr lang="en-US"/>
           </a:p>
@@ -2061,7 +2063,7 @@
             <a:fld id="{542ED6D8-967B-4FDD-8539-23116DD8CE38}" type="datetimeFigureOut">
               <a:rPr lang="en-US" smtClean="0"/>
               <a:pPr/>
-              <a:t>11/18/2014</a:t>
+              <a:t>11/19/2014</a:t>
             </a:fld>
             <a:endParaRPr lang="en-US"/>
           </a:p>
@@ -2194,7 +2196,7 @@
             <a:fld id="{542ED6D8-967B-4FDD-8539-23116DD8CE38}" type="datetimeFigureOut">
               <a:rPr lang="en-US" smtClean="0"/>
               <a:pPr/>
-              <a:t>11/18/2014</a:t>
+              <a:t>11/19/2014</a:t>
             </a:fld>
             <a:endParaRPr lang="en-US"/>
           </a:p>
@@ -2346,7 +2348,7 @@
             <a:fld id="{542ED6D8-967B-4FDD-8539-23116DD8CE38}" type="datetimeFigureOut">
               <a:rPr lang="en-US" smtClean="0"/>
               <a:pPr/>
-              <a:t>11/18/2014</a:t>
+              <a:t>11/19/2014</a:t>
             </a:fld>
             <a:endParaRPr lang="en-US"/>
           </a:p>
@@ -2669,7 +2671,7 @@
             <a:fld id="{542ED6D8-967B-4FDD-8539-23116DD8CE38}" type="datetimeFigureOut">
               <a:rPr lang="en-US" smtClean="0"/>
               <a:pPr/>
-              <a:t>11/18/2014</a:t>
+              <a:t>11/19/2014</a:t>
             </a:fld>
             <a:endParaRPr lang="en-US"/>
           </a:p>
@@ -2968,7 +2970,7 @@
             <a:fld id="{542ED6D8-967B-4FDD-8539-23116DD8CE38}" type="datetimeFigureOut">
               <a:rPr lang="en-US" smtClean="0"/>
               <a:pPr/>
-              <a:t>11/18/2014</a:t>
+              <a:t>11/19/2014</a:t>
             </a:fld>
             <a:endParaRPr lang="en-US"/>
           </a:p>
@@ -3215,7 +3217,7 @@
             <a:fld id="{542ED6D8-967B-4FDD-8539-23116DD8CE38}" type="datetimeFigureOut">
               <a:rPr lang="en-US" smtClean="0"/>
               <a:pPr/>
-              <a:t>11/18/2014</a:t>
+              <a:t>11/19/2014</a:t>
             </a:fld>
             <a:endParaRPr lang="en-US"/>
           </a:p>
@@ -3806,6 +3808,148 @@
 </p:sld>
 </file>
 
+<file path=ppt/slides/slide2.xml><?xml version="1.0" encoding="utf-8"?>
+<p:sld xmlns:a="http://schemas.openxmlformats.org/drawingml/2006/main" xmlns:r="http://schemas.openxmlformats.org/officeDocument/2006/relationships" xmlns:p="http://schemas.openxmlformats.org/presentationml/2006/main">
+  <p:cSld>
+    <p:spTree>
+      <p:nvGrpSpPr>
+        <p:cNvPr id="1" name=""/>
+        <p:cNvGrpSpPr/>
+        <p:nvPr/>
+      </p:nvGrpSpPr>
+      <p:grpSpPr>
+        <a:xfrm>
+          <a:off x="0" y="0"/>
+          <a:ext cx="0" cy="0"/>
+          <a:chOff x="0" y="0"/>
+          <a:chExt cx="0" cy="0"/>
+        </a:xfrm>
+      </p:grpSpPr>
+      <p:sp>
+        <p:nvSpPr>
+          <p:cNvPr id="2" name="Title 1"/>
+          <p:cNvSpPr>
+            <a:spLocks noGrp="1"/>
+          </p:cNvSpPr>
+          <p:nvPr>
+            <p:ph type="title"/>
+          </p:nvPr>
+        </p:nvSpPr>
+        <p:spPr/>
+        <p:txBody>
+          <a:bodyPr/>
+          <a:lstStyle/>
+          <a:p>
+            <a:pPr algn="ctr"/>
+            <a:r>
+              <a:rPr lang="en-US" dirty="0" smtClean="0"/>
+              <a:t>Class Diagram</a:t>
+            </a:r>
+            <a:endParaRPr lang="en-US" dirty="0"/>
+          </a:p>
+        </p:txBody>
+      </p:sp>
+      <p:pic>
+        <p:nvPicPr>
+          <p:cNvPr id="1026" name="Picture 2" descr="https://openclipart.org/image/800px/svg_to_png/231/johnny_automatic_fishing_boat.png"/>
+          <p:cNvPicPr>
+            <a:picLocks noChangeAspect="1" noChangeArrowheads="1"/>
+          </p:cNvPicPr>
+          <p:nvPr/>
+        </p:nvPicPr>
+        <p:blipFill>
+          <a:blip r:embed="rId2" cstate="print"/>
+          <a:srcRect/>
+          <a:stretch>
+            <a:fillRect/>
+          </a:stretch>
+        </p:blipFill>
+        <p:spPr bwMode="auto">
+          <a:xfrm>
+            <a:off x="1298223" y="1905000"/>
+            <a:ext cx="6547554" cy="4419600"/>
+          </a:xfrm>
+          <a:prstGeom prst="rect">
+            <a:avLst/>
+          </a:prstGeom>
+          <a:noFill/>
+        </p:spPr>
+      </p:pic>
+    </p:spTree>
+  </p:cSld>
+  <p:clrMapOvr>
+    <a:masterClrMapping/>
+  </p:clrMapOvr>
+</p:sld>
+</file>
+
+<file path=ppt/slides/slide3.xml><?xml version="1.0" encoding="utf-8"?>
+<p:sld xmlns:a="http://schemas.openxmlformats.org/drawingml/2006/main" xmlns:r="http://schemas.openxmlformats.org/officeDocument/2006/relationships" xmlns:p="http://schemas.openxmlformats.org/presentationml/2006/main">
+  <p:cSld>
+    <p:spTree>
+      <p:nvGrpSpPr>
+        <p:cNvPr id="1" name=""/>
+        <p:cNvGrpSpPr/>
+        <p:nvPr/>
+      </p:nvGrpSpPr>
+      <p:grpSpPr>
+        <a:xfrm>
+          <a:off x="0" y="0"/>
+          <a:ext cx="0" cy="0"/>
+          <a:chOff x="0" y="0"/>
+          <a:chExt cx="0" cy="0"/>
+        </a:xfrm>
+      </p:grpSpPr>
+      <p:sp>
+        <p:nvSpPr>
+          <p:cNvPr id="2" name="Title 1"/>
+          <p:cNvSpPr>
+            <a:spLocks noGrp="1"/>
+          </p:cNvSpPr>
+          <p:nvPr>
+            <p:ph type="title"/>
+          </p:nvPr>
+        </p:nvSpPr>
+        <p:spPr/>
+        <p:txBody>
+          <a:bodyPr/>
+          <a:lstStyle/>
+          <a:p>
+            <a:endParaRPr lang="en-US"/>
+          </a:p>
+        </p:txBody>
+      </p:sp>
+      <p:pic>
+        <p:nvPicPr>
+          <p:cNvPr id="4" name="Content Placeholder 3" descr="Class-UML-Diagrams.jpg"/>
+          <p:cNvPicPr>
+            <a:picLocks noGrp="1" noChangeAspect="1"/>
+          </p:cNvPicPr>
+          <p:nvPr>
+            <p:ph idx="1"/>
+          </p:nvPr>
+        </p:nvPicPr>
+        <p:blipFill>
+          <a:blip r:embed="rId2" cstate="print"/>
+          <a:stretch>
+            <a:fillRect/>
+          </a:stretch>
+        </p:blipFill>
+        <p:spPr>
+          <a:xfrm>
+            <a:off x="0" y="1"/>
+            <a:ext cx="9143999" cy="6877912"/>
+          </a:xfrm>
+        </p:spPr>
+      </p:pic>
+    </p:spTree>
+  </p:cSld>
+  <p:clrMapOvr>
+    <a:masterClrMapping/>
+  </p:clrMapOvr>
+</p:sld>
+</file>
+
 <file path=ppt/theme/theme1.xml><?xml version="1.0" encoding="utf-8"?>
 <a:theme xmlns:a="http://schemas.openxmlformats.org/drawingml/2006/main" name="Foundry">
   <a:themeElements>

--- a/Briefings/Briefing5.pptx
+++ b/Briefings/Briefing5.pptx
@@ -6,8 +6,16 @@
   </p:sldMasterIdLst>
   <p:sldIdLst>
     <p:sldId id="256" r:id="rId2"/>
-    <p:sldId id="258" r:id="rId3"/>
-    <p:sldId id="257" r:id="rId4"/>
+    <p:sldId id="265" r:id="rId3"/>
+    <p:sldId id="266" r:id="rId4"/>
+    <p:sldId id="258" r:id="rId5"/>
+    <p:sldId id="257" r:id="rId6"/>
+    <p:sldId id="264" r:id="rId7"/>
+    <p:sldId id="263" r:id="rId8"/>
+    <p:sldId id="259" r:id="rId9"/>
+    <p:sldId id="260" r:id="rId10"/>
+    <p:sldId id="261" r:id="rId11"/>
+    <p:sldId id="262" r:id="rId12"/>
   </p:sldIdLst>
   <p:sldSz cx="9144000" cy="6858000" type="screen4x3"/>
   <p:notesSz cx="6858000" cy="9144000"/>
@@ -317,7 +325,7 @@
             <a:fld id="{542ED6D8-967B-4FDD-8539-23116DD8CE38}" type="datetimeFigureOut">
               <a:rPr lang="en-US" smtClean="0"/>
               <a:pPr/>
-              <a:t>11/19/2014</a:t>
+              <a:t>11/20/2014</a:t>
             </a:fld>
             <a:endParaRPr lang="en-US"/>
           </a:p>
@@ -513,7 +521,7 @@
             <a:fld id="{542ED6D8-967B-4FDD-8539-23116DD8CE38}" type="datetimeFigureOut">
               <a:rPr lang="en-US" smtClean="0"/>
               <a:pPr/>
-              <a:t>11/19/2014</a:t>
+              <a:t>11/20/2014</a:t>
             </a:fld>
             <a:endParaRPr lang="en-US"/>
           </a:p>
@@ -703,7 +711,7 @@
             <a:fld id="{542ED6D8-967B-4FDD-8539-23116DD8CE38}" type="datetimeFigureOut">
               <a:rPr lang="en-US" smtClean="0"/>
               <a:pPr/>
-              <a:t>11/19/2014</a:t>
+              <a:t>11/20/2014</a:t>
             </a:fld>
             <a:endParaRPr lang="en-US"/>
           </a:p>
@@ -934,7 +942,7 @@
             <a:fld id="{542ED6D8-967B-4FDD-8539-23116DD8CE38}" type="datetimeFigureOut">
               <a:rPr lang="en-US" smtClean="0"/>
               <a:pPr/>
-              <a:t>11/19/2014</a:t>
+              <a:t>11/20/2014</a:t>
             </a:fld>
             <a:endParaRPr lang="en-US"/>
           </a:p>
@@ -1217,7 +1225,7 @@
             <a:fld id="{542ED6D8-967B-4FDD-8539-23116DD8CE38}" type="datetimeFigureOut">
               <a:rPr lang="en-US" smtClean="0"/>
               <a:pPr/>
-              <a:t>11/19/2014</a:t>
+              <a:t>11/20/2014</a:t>
             </a:fld>
             <a:endParaRPr lang="en-US"/>
           </a:p>
@@ -1507,7 +1515,7 @@
             <a:fld id="{542ED6D8-967B-4FDD-8539-23116DD8CE38}" type="datetimeFigureOut">
               <a:rPr lang="en-US" smtClean="0"/>
               <a:pPr/>
-              <a:t>11/19/2014</a:t>
+              <a:t>11/20/2014</a:t>
             </a:fld>
             <a:endParaRPr lang="en-US"/>
           </a:p>
@@ -2063,7 +2071,7 @@
             <a:fld id="{542ED6D8-967B-4FDD-8539-23116DD8CE38}" type="datetimeFigureOut">
               <a:rPr lang="en-US" smtClean="0"/>
               <a:pPr/>
-              <a:t>11/19/2014</a:t>
+              <a:t>11/20/2014</a:t>
             </a:fld>
             <a:endParaRPr lang="en-US"/>
           </a:p>
@@ -2196,7 +2204,7 @@
             <a:fld id="{542ED6D8-967B-4FDD-8539-23116DD8CE38}" type="datetimeFigureOut">
               <a:rPr lang="en-US" smtClean="0"/>
               <a:pPr/>
-              <a:t>11/19/2014</a:t>
+              <a:t>11/20/2014</a:t>
             </a:fld>
             <a:endParaRPr lang="en-US"/>
           </a:p>
@@ -2348,7 +2356,7 @@
             <a:fld id="{542ED6D8-967B-4FDD-8539-23116DD8CE38}" type="datetimeFigureOut">
               <a:rPr lang="en-US" smtClean="0"/>
               <a:pPr/>
-              <a:t>11/19/2014</a:t>
+              <a:t>11/20/2014</a:t>
             </a:fld>
             <a:endParaRPr lang="en-US"/>
           </a:p>
@@ -2671,7 +2679,7 @@
             <a:fld id="{542ED6D8-967B-4FDD-8539-23116DD8CE38}" type="datetimeFigureOut">
               <a:rPr lang="en-US" smtClean="0"/>
               <a:pPr/>
-              <a:t>11/19/2014</a:t>
+              <a:t>11/20/2014</a:t>
             </a:fld>
             <a:endParaRPr lang="en-US"/>
           </a:p>
@@ -2970,7 +2978,7 @@
             <a:fld id="{542ED6D8-967B-4FDD-8539-23116DD8CE38}" type="datetimeFigureOut">
               <a:rPr lang="en-US" smtClean="0"/>
               <a:pPr/>
-              <a:t>11/19/2014</a:t>
+              <a:t>11/20/2014</a:t>
             </a:fld>
             <a:endParaRPr lang="en-US"/>
           </a:p>
@@ -3217,7 +3225,7 @@
             <a:fld id="{542ED6D8-967B-4FDD-8539-23116DD8CE38}" type="datetimeFigureOut">
               <a:rPr lang="en-US" smtClean="0"/>
               <a:pPr/>
-              <a:t>11/19/2014</a:t>
+              <a:t>11/20/2014</a:t>
             </a:fld>
             <a:endParaRPr lang="en-US"/>
           </a:p>
@@ -3808,6 +3816,120 @@
 </p:sld>
 </file>
 
+<file path=ppt/slides/slide10.xml><?xml version="1.0" encoding="utf-8"?>
+<p:sld xmlns:a="http://schemas.openxmlformats.org/drawingml/2006/main" xmlns:r="http://schemas.openxmlformats.org/officeDocument/2006/relationships" xmlns:p="http://schemas.openxmlformats.org/presentationml/2006/main">
+  <p:cSld>
+    <p:spTree>
+      <p:nvGrpSpPr>
+        <p:cNvPr id="1" name=""/>
+        <p:cNvGrpSpPr/>
+        <p:nvPr/>
+      </p:nvGrpSpPr>
+      <p:grpSpPr>
+        <a:xfrm>
+          <a:off x="0" y="0"/>
+          <a:ext cx="0" cy="0"/>
+          <a:chOff x="0" y="0"/>
+          <a:chExt cx="0" cy="0"/>
+        </a:xfrm>
+      </p:grpSpPr>
+      <p:pic>
+        <p:nvPicPr>
+          <p:cNvPr id="18434" name="Picture 2"/>
+          <p:cNvPicPr>
+            <a:picLocks noChangeAspect="1" noChangeArrowheads="1"/>
+          </p:cNvPicPr>
+          <p:nvPr/>
+        </p:nvPicPr>
+        <p:blipFill>
+          <a:blip r:embed="rId2" cstate="print"/>
+          <a:srcRect/>
+          <a:stretch>
+            <a:fillRect/>
+          </a:stretch>
+        </p:blipFill>
+        <p:spPr bwMode="auto">
+          <a:xfrm>
+            <a:off x="0" y="-21834"/>
+            <a:ext cx="9144000" cy="6879834"/>
+          </a:xfrm>
+          <a:prstGeom prst="rect">
+            <a:avLst/>
+          </a:prstGeom>
+          <a:noFill/>
+          <a:ln w="9525">
+            <a:noFill/>
+            <a:miter lim="800000"/>
+            <a:headEnd/>
+            <a:tailEnd/>
+          </a:ln>
+        </p:spPr>
+      </p:pic>
+    </p:spTree>
+  </p:cSld>
+  <p:clrMapOvr>
+    <a:masterClrMapping/>
+  </p:clrMapOvr>
+</p:sld>
+</file>
+
+<file path=ppt/slides/slide11.xml><?xml version="1.0" encoding="utf-8"?>
+<p:sld xmlns:a="http://schemas.openxmlformats.org/drawingml/2006/main" xmlns:r="http://schemas.openxmlformats.org/officeDocument/2006/relationships" xmlns:p="http://schemas.openxmlformats.org/presentationml/2006/main">
+  <p:cSld>
+    <p:spTree>
+      <p:nvGrpSpPr>
+        <p:cNvPr id="1" name=""/>
+        <p:cNvGrpSpPr/>
+        <p:nvPr/>
+      </p:nvGrpSpPr>
+      <p:grpSpPr>
+        <a:xfrm>
+          <a:off x="0" y="0"/>
+          <a:ext cx="0" cy="0"/>
+          <a:chOff x="0" y="0"/>
+          <a:chExt cx="0" cy="0"/>
+        </a:xfrm>
+      </p:grpSpPr>
+      <p:pic>
+        <p:nvPicPr>
+          <p:cNvPr id="19458" name="Picture 2"/>
+          <p:cNvPicPr>
+            <a:picLocks noChangeAspect="1" noChangeArrowheads="1"/>
+          </p:cNvPicPr>
+          <p:nvPr/>
+        </p:nvPicPr>
+        <p:blipFill>
+          <a:blip r:embed="rId2" cstate="print"/>
+          <a:srcRect/>
+          <a:stretch>
+            <a:fillRect/>
+          </a:stretch>
+        </p:blipFill>
+        <p:spPr bwMode="auto">
+          <a:xfrm>
+            <a:off x="0" y="0"/>
+            <a:ext cx="9144000" cy="6858000"/>
+          </a:xfrm>
+          <a:prstGeom prst="rect">
+            <a:avLst/>
+          </a:prstGeom>
+          <a:noFill/>
+          <a:ln w="9525">
+            <a:noFill/>
+            <a:miter lim="800000"/>
+            <a:headEnd/>
+            <a:tailEnd/>
+          </a:ln>
+        </p:spPr>
+      </p:pic>
+    </p:spTree>
+  </p:cSld>
+  <p:clrMapOvr>
+    <a:masterClrMapping/>
+  </p:clrMapOvr>
+</p:sld>
+</file>
+
 <file path=ppt/slides/slide2.xml><?xml version="1.0" encoding="utf-8"?>
 <p:sld xmlns:a="http://schemas.openxmlformats.org/drawingml/2006/main" xmlns:r="http://schemas.openxmlformats.org/officeDocument/2006/relationships" xmlns:p="http://schemas.openxmlformats.org/presentationml/2006/main">
   <p:cSld>
@@ -3843,38 +3965,52 @@
             <a:pPr algn="ctr"/>
             <a:r>
               <a:rPr lang="en-US" dirty="0" smtClean="0"/>
-              <a:t>Class Diagram</a:t>
+              <a:t>General Update</a:t>
             </a:r>
             <a:endParaRPr lang="en-US" dirty="0"/>
           </a:p>
         </p:txBody>
       </p:sp>
-      <p:pic>
-        <p:nvPicPr>
-          <p:cNvPr id="1026" name="Picture 2" descr="https://openclipart.org/image/800px/svg_to_png/231/johnny_automatic_fishing_boat.png"/>
-          <p:cNvPicPr>
-            <a:picLocks noChangeAspect="1" noChangeArrowheads="1"/>
-          </p:cNvPicPr>
-          <p:nvPr/>
-        </p:nvPicPr>
-        <p:blipFill>
-          <a:blip r:embed="rId2" cstate="print"/>
-          <a:srcRect/>
-          <a:stretch>
-            <a:fillRect/>
-          </a:stretch>
-        </p:blipFill>
-        <p:spPr bwMode="auto">
-          <a:xfrm>
-            <a:off x="1298223" y="1905000"/>
-            <a:ext cx="6547554" cy="4419600"/>
-          </a:xfrm>
-          <a:prstGeom prst="rect">
-            <a:avLst/>
-          </a:prstGeom>
-          <a:noFill/>
-        </p:spPr>
-      </p:pic>
+      <p:sp>
+        <p:nvSpPr>
+          <p:cNvPr id="3" name="Content Placeholder 2"/>
+          <p:cNvSpPr>
+            <a:spLocks noGrp="1"/>
+          </p:cNvSpPr>
+          <p:nvPr>
+            <p:ph idx="1"/>
+          </p:nvPr>
+        </p:nvSpPr>
+        <p:spPr/>
+        <p:txBody>
+          <a:bodyPr/>
+          <a:lstStyle/>
+          <a:p>
+            <a:r>
+              <a:rPr lang="en-US" dirty="0" smtClean="0"/>
+              <a:t>Finished the SRS </a:t>
+            </a:r>
+          </a:p>
+          <a:p>
+            <a:r>
+              <a:rPr lang="en-US" dirty="0" smtClean="0"/>
+              <a:t>Worked on the actual UI</a:t>
+            </a:r>
+          </a:p>
+          <a:p>
+            <a:r>
+              <a:rPr lang="en-US" dirty="0" smtClean="0"/>
+              <a:t>Finalized the code structure </a:t>
+            </a:r>
+          </a:p>
+          <a:p>
+            <a:r>
+              <a:rPr lang="en-US" dirty="0" smtClean="0"/>
+              <a:t>Completed the unit tests</a:t>
+            </a:r>
+          </a:p>
+        </p:txBody>
+      </p:sp>
     </p:spTree>
   </p:cSld>
   <p:clrMapOvr>
@@ -3915,6 +4051,165 @@
           <a:bodyPr/>
           <a:lstStyle/>
           <a:p>
+            <a:pPr algn="ctr"/>
+            <a:r>
+              <a:rPr lang="en-US" dirty="0" smtClean="0"/>
+              <a:t>Next Steps</a:t>
+            </a:r>
+            <a:endParaRPr lang="en-US" dirty="0"/>
+          </a:p>
+        </p:txBody>
+      </p:sp>
+      <p:sp>
+        <p:nvSpPr>
+          <p:cNvPr id="3" name="Content Placeholder 2"/>
+          <p:cNvSpPr>
+            <a:spLocks noGrp="1"/>
+          </p:cNvSpPr>
+          <p:nvPr>
+            <p:ph idx="1"/>
+          </p:nvPr>
+        </p:nvSpPr>
+        <p:spPr/>
+        <p:txBody>
+          <a:bodyPr/>
+          <a:lstStyle/>
+          <a:p>
+            <a:r>
+              <a:rPr lang="en-US" dirty="0" smtClean="0"/>
+              <a:t>Finish the UI</a:t>
+            </a:r>
+          </a:p>
+          <a:p>
+            <a:r>
+              <a:rPr lang="en-US" dirty="0" smtClean="0"/>
+              <a:t>Find a click testing tool</a:t>
+            </a:r>
+          </a:p>
+          <a:p>
+            <a:r>
+              <a:rPr lang="en-US" dirty="0" smtClean="0"/>
+              <a:t>Begin the code behind</a:t>
+            </a:r>
+            <a:endParaRPr lang="en-US" dirty="0"/>
+          </a:p>
+        </p:txBody>
+      </p:sp>
+    </p:spTree>
+  </p:cSld>
+  <p:clrMapOvr>
+    <a:masterClrMapping/>
+  </p:clrMapOvr>
+</p:sld>
+</file>
+
+<file path=ppt/slides/slide4.xml><?xml version="1.0" encoding="utf-8"?>
+<p:sld xmlns:a="http://schemas.openxmlformats.org/drawingml/2006/main" xmlns:r="http://schemas.openxmlformats.org/officeDocument/2006/relationships" xmlns:p="http://schemas.openxmlformats.org/presentationml/2006/main">
+  <p:cSld>
+    <p:spTree>
+      <p:nvGrpSpPr>
+        <p:cNvPr id="1" name=""/>
+        <p:cNvGrpSpPr/>
+        <p:nvPr/>
+      </p:nvGrpSpPr>
+      <p:grpSpPr>
+        <a:xfrm>
+          <a:off x="0" y="0"/>
+          <a:ext cx="0" cy="0"/>
+          <a:chOff x="0" y="0"/>
+          <a:chExt cx="0" cy="0"/>
+        </a:xfrm>
+      </p:grpSpPr>
+      <p:sp>
+        <p:nvSpPr>
+          <p:cNvPr id="2" name="Title 1"/>
+          <p:cNvSpPr>
+            <a:spLocks noGrp="1"/>
+          </p:cNvSpPr>
+          <p:nvPr>
+            <p:ph type="title"/>
+          </p:nvPr>
+        </p:nvSpPr>
+        <p:spPr/>
+        <p:txBody>
+          <a:bodyPr/>
+          <a:lstStyle/>
+          <a:p>
+            <a:pPr algn="ctr"/>
+            <a:r>
+              <a:rPr lang="en-US" dirty="0" smtClean="0"/>
+              <a:t>Class Diagram</a:t>
+            </a:r>
+            <a:endParaRPr lang="en-US" dirty="0"/>
+          </a:p>
+        </p:txBody>
+      </p:sp>
+      <p:pic>
+        <p:nvPicPr>
+          <p:cNvPr id="1026" name="Picture 2" descr="https://openclipart.org/image/800px/svg_to_png/231/johnny_automatic_fishing_boat.png"/>
+          <p:cNvPicPr>
+            <a:picLocks noChangeAspect="1" noChangeArrowheads="1"/>
+          </p:cNvPicPr>
+          <p:nvPr/>
+        </p:nvPicPr>
+        <p:blipFill>
+          <a:blip r:embed="rId2" cstate="print"/>
+          <a:srcRect/>
+          <a:stretch>
+            <a:fillRect/>
+          </a:stretch>
+        </p:blipFill>
+        <p:spPr bwMode="auto">
+          <a:xfrm>
+            <a:off x="1298223" y="1905000"/>
+            <a:ext cx="6547554" cy="4419600"/>
+          </a:xfrm>
+          <a:prstGeom prst="rect">
+            <a:avLst/>
+          </a:prstGeom>
+          <a:noFill/>
+        </p:spPr>
+      </p:pic>
+    </p:spTree>
+  </p:cSld>
+  <p:clrMapOvr>
+    <a:masterClrMapping/>
+  </p:clrMapOvr>
+</p:sld>
+</file>
+
+<file path=ppt/slides/slide5.xml><?xml version="1.0" encoding="utf-8"?>
+<p:sld xmlns:a="http://schemas.openxmlformats.org/drawingml/2006/main" xmlns:r="http://schemas.openxmlformats.org/officeDocument/2006/relationships" xmlns:p="http://schemas.openxmlformats.org/presentationml/2006/main">
+  <p:cSld>
+    <p:spTree>
+      <p:nvGrpSpPr>
+        <p:cNvPr id="1" name=""/>
+        <p:cNvGrpSpPr/>
+        <p:nvPr/>
+      </p:nvGrpSpPr>
+      <p:grpSpPr>
+        <a:xfrm>
+          <a:off x="0" y="0"/>
+          <a:ext cx="0" cy="0"/>
+          <a:chOff x="0" y="0"/>
+          <a:chExt cx="0" cy="0"/>
+        </a:xfrm>
+      </p:grpSpPr>
+      <p:sp>
+        <p:nvSpPr>
+          <p:cNvPr id="2" name="Title 1"/>
+          <p:cNvSpPr>
+            <a:spLocks noGrp="1"/>
+          </p:cNvSpPr>
+          <p:nvPr>
+            <p:ph type="title"/>
+          </p:nvPr>
+        </p:nvSpPr>
+        <p:spPr/>
+        <p:txBody>
+          <a:bodyPr/>
+          <a:lstStyle/>
+          <a:p>
             <a:endParaRPr lang="en-US"/>
           </a:p>
         </p:txBody>
@@ -3940,6 +4235,287 @@
             <a:off x="0" y="1"/>
             <a:ext cx="9143999" cy="6877912"/>
           </a:xfrm>
+        </p:spPr>
+      </p:pic>
+    </p:spTree>
+  </p:cSld>
+  <p:clrMapOvr>
+    <a:masterClrMapping/>
+  </p:clrMapOvr>
+</p:sld>
+</file>
+
+<file path=ppt/slides/slide6.xml><?xml version="1.0" encoding="utf-8"?>
+<p:sld xmlns:a="http://schemas.openxmlformats.org/drawingml/2006/main" xmlns:r="http://schemas.openxmlformats.org/officeDocument/2006/relationships" xmlns:p="http://schemas.openxmlformats.org/presentationml/2006/main">
+  <p:cSld>
+    <p:spTree>
+      <p:nvGrpSpPr>
+        <p:cNvPr id="1" name=""/>
+        <p:cNvGrpSpPr/>
+        <p:nvPr/>
+      </p:nvGrpSpPr>
+      <p:grpSpPr>
+        <a:xfrm>
+          <a:off x="0" y="0"/>
+          <a:ext cx="0" cy="0"/>
+          <a:chOff x="0" y="0"/>
+          <a:chExt cx="0" cy="0"/>
+        </a:xfrm>
+      </p:grpSpPr>
+      <p:sp>
+        <p:nvSpPr>
+          <p:cNvPr id="2" name="Title 1"/>
+          <p:cNvSpPr>
+            <a:spLocks noGrp="1"/>
+          </p:cNvSpPr>
+          <p:nvPr>
+            <p:ph type="title"/>
+          </p:nvPr>
+        </p:nvSpPr>
+        <p:spPr/>
+        <p:txBody>
+          <a:bodyPr/>
+          <a:lstStyle/>
+          <a:p>
+            <a:pPr algn="ctr"/>
+            <a:r>
+              <a:rPr lang="en-US" dirty="0" smtClean="0"/>
+              <a:t>Unit Tests</a:t>
+            </a:r>
+            <a:endParaRPr lang="en-US" dirty="0"/>
+          </a:p>
+        </p:txBody>
+      </p:sp>
+      <p:pic>
+        <p:nvPicPr>
+          <p:cNvPr id="21506" name="Picture 2" descr="https://openclipart.org/image/300px/svg_to_png/203158/peixe.png"/>
+          <p:cNvPicPr>
+            <a:picLocks noChangeAspect="1" noChangeArrowheads="1"/>
+          </p:cNvPicPr>
+          <p:nvPr/>
+        </p:nvPicPr>
+        <p:blipFill>
+          <a:blip r:embed="rId2" cstate="print"/>
+          <a:srcRect/>
+          <a:stretch>
+            <a:fillRect/>
+          </a:stretch>
+        </p:blipFill>
+        <p:spPr bwMode="auto">
+          <a:xfrm>
+            <a:off x="2971800" y="2740151"/>
+            <a:ext cx="3200400" cy="2517649"/>
+          </a:xfrm>
+          <a:prstGeom prst="rect">
+            <a:avLst/>
+          </a:prstGeom>
+          <a:solidFill>
+            <a:srgbClr val="000000">
+              <a:shade val="95000"/>
+            </a:srgbClr>
+          </a:solidFill>
+          <a:ln w="444500" cap="sq">
+            <a:solidFill>
+              <a:srgbClr val="000000"/>
+            </a:solidFill>
+            <a:miter lim="800000"/>
+          </a:ln>
+          <a:effectLst>
+            <a:outerShdw blurRad="254000" dist="190500" dir="2700000" sy="90000" algn="bl" rotWithShape="0">
+              <a:srgbClr val="000000">
+                <a:alpha val="40000"/>
+              </a:srgbClr>
+            </a:outerShdw>
+          </a:effectLst>
+        </p:spPr>
+      </p:pic>
+    </p:spTree>
+  </p:cSld>
+  <p:clrMapOvr>
+    <a:masterClrMapping/>
+  </p:clrMapOvr>
+</p:sld>
+</file>
+
+<file path=ppt/slides/slide7.xml><?xml version="1.0" encoding="utf-8"?>
+<p:sld xmlns:a="http://schemas.openxmlformats.org/drawingml/2006/main" xmlns:r="http://schemas.openxmlformats.org/officeDocument/2006/relationships" xmlns:p="http://schemas.openxmlformats.org/presentationml/2006/main">
+  <p:cSld>
+    <p:spTree>
+      <p:nvGrpSpPr>
+        <p:cNvPr id="1" name=""/>
+        <p:cNvGrpSpPr/>
+        <p:nvPr/>
+      </p:nvGrpSpPr>
+      <p:grpSpPr>
+        <a:xfrm>
+          <a:off x="0" y="0"/>
+          <a:ext cx="0" cy="0"/>
+          <a:chOff x="0" y="0"/>
+          <a:chExt cx="0" cy="0"/>
+        </a:xfrm>
+      </p:grpSpPr>
+      <p:pic>
+        <p:nvPicPr>
+          <p:cNvPr id="20482" name="Picture 2"/>
+          <p:cNvPicPr>
+            <a:picLocks noChangeAspect="1" noChangeArrowheads="1"/>
+          </p:cNvPicPr>
+          <p:nvPr/>
+        </p:nvPicPr>
+        <p:blipFill>
+          <a:blip r:embed="rId2" cstate="print"/>
+          <a:srcRect/>
+          <a:stretch>
+            <a:fillRect/>
+          </a:stretch>
+        </p:blipFill>
+        <p:spPr bwMode="auto">
+          <a:xfrm>
+            <a:off x="0" y="0"/>
+            <a:ext cx="10201275" cy="8039100"/>
+          </a:xfrm>
+          <a:prstGeom prst="rect">
+            <a:avLst/>
+          </a:prstGeom>
+          <a:noFill/>
+          <a:ln w="9525">
+            <a:noFill/>
+            <a:miter lim="800000"/>
+            <a:headEnd/>
+            <a:tailEnd/>
+          </a:ln>
+        </p:spPr>
+      </p:pic>
+    </p:spTree>
+  </p:cSld>
+  <p:clrMapOvr>
+    <a:masterClrMapping/>
+  </p:clrMapOvr>
+</p:sld>
+</file>
+
+<file path=ppt/slides/slide8.xml><?xml version="1.0" encoding="utf-8"?>
+<p:sld xmlns:a="http://schemas.openxmlformats.org/drawingml/2006/main" xmlns:r="http://schemas.openxmlformats.org/officeDocument/2006/relationships" xmlns:p="http://schemas.openxmlformats.org/presentationml/2006/main">
+  <p:cSld>
+    <p:spTree>
+      <p:nvGrpSpPr>
+        <p:cNvPr id="1" name=""/>
+        <p:cNvGrpSpPr/>
+        <p:nvPr/>
+      </p:nvGrpSpPr>
+      <p:grpSpPr>
+        <a:xfrm>
+          <a:off x="0" y="0"/>
+          <a:ext cx="0" cy="0"/>
+          <a:chOff x="0" y="0"/>
+          <a:chExt cx="0" cy="0"/>
+        </a:xfrm>
+      </p:grpSpPr>
+      <p:sp>
+        <p:nvSpPr>
+          <p:cNvPr id="2" name="Title 1"/>
+          <p:cNvSpPr>
+            <a:spLocks noGrp="1"/>
+          </p:cNvSpPr>
+          <p:nvPr>
+            <p:ph type="title"/>
+          </p:nvPr>
+        </p:nvSpPr>
+        <p:spPr/>
+        <p:txBody>
+          <a:bodyPr/>
+          <a:lstStyle/>
+          <a:p>
+            <a:pPr algn="ctr"/>
+            <a:r>
+              <a:rPr lang="en-US" dirty="0" smtClean="0"/>
+              <a:t>Actual User Interfaces</a:t>
+            </a:r>
+            <a:endParaRPr lang="en-US" dirty="0"/>
+          </a:p>
+        </p:txBody>
+      </p:sp>
+      <p:pic>
+        <p:nvPicPr>
+          <p:cNvPr id="1026" name="Picture 2" descr="https://openclipart.org/image/800px/svg_to_png/175391/1362169939.png"/>
+          <p:cNvPicPr>
+            <a:picLocks noChangeAspect="1" noChangeArrowheads="1"/>
+          </p:cNvPicPr>
+          <p:nvPr/>
+        </p:nvPicPr>
+        <p:blipFill>
+          <a:blip r:embed="rId2" cstate="print"/>
+          <a:srcRect/>
+          <a:stretch>
+            <a:fillRect/>
+          </a:stretch>
+        </p:blipFill>
+        <p:spPr bwMode="auto">
+          <a:xfrm>
+            <a:off x="1257300" y="1843087"/>
+            <a:ext cx="6629400" cy="4557713"/>
+          </a:xfrm>
+          <a:prstGeom prst="rect">
+            <a:avLst/>
+          </a:prstGeom>
+          <a:noFill/>
+        </p:spPr>
+      </p:pic>
+    </p:spTree>
+  </p:cSld>
+  <p:clrMapOvr>
+    <a:masterClrMapping/>
+  </p:clrMapOvr>
+</p:sld>
+</file>
+
+<file path=ppt/slides/slide9.xml><?xml version="1.0" encoding="utf-8"?>
+<p:sld xmlns:a="http://schemas.openxmlformats.org/drawingml/2006/main" xmlns:r="http://schemas.openxmlformats.org/officeDocument/2006/relationships" xmlns:p="http://schemas.openxmlformats.org/presentationml/2006/main">
+  <p:cSld>
+    <p:spTree>
+      <p:nvGrpSpPr>
+        <p:cNvPr id="1" name=""/>
+        <p:cNvGrpSpPr/>
+        <p:nvPr/>
+      </p:nvGrpSpPr>
+      <p:grpSpPr>
+        <a:xfrm>
+          <a:off x="0" y="0"/>
+          <a:ext cx="0" cy="0"/>
+          <a:chOff x="0" y="0"/>
+          <a:chExt cx="0" cy="0"/>
+        </a:xfrm>
+      </p:grpSpPr>
+      <p:pic>
+        <p:nvPicPr>
+          <p:cNvPr id="17410" name="Picture 2"/>
+          <p:cNvPicPr>
+            <a:picLocks noChangeAspect="1" noChangeArrowheads="1"/>
+          </p:cNvPicPr>
+          <p:nvPr/>
+        </p:nvPicPr>
+        <p:blipFill>
+          <a:blip r:embed="rId2" cstate="print"/>
+          <a:srcRect/>
+          <a:stretch>
+            <a:fillRect/>
+          </a:stretch>
+        </p:blipFill>
+        <p:spPr bwMode="auto">
+          <a:xfrm>
+            <a:off x="0" y="0"/>
+            <a:ext cx="9144000" cy="6889098"/>
+          </a:xfrm>
+          <a:prstGeom prst="rect">
+            <a:avLst/>
+          </a:prstGeom>
+          <a:noFill/>
+          <a:ln w="9525">
+            <a:noFill/>
+            <a:miter lim="800000"/>
+            <a:headEnd/>
+            <a:tailEnd/>
+          </a:ln>
         </p:spPr>
       </p:pic>
     </p:spTree>
